--- a/IR_Controller/documents/学習コントローラToDoリスト.pptx
+++ b/IR_Controller/documents/学習コントローラToDoリスト.pptx
@@ -243,7 +243,7 @@
           <a:p>
             <a:fld id="{31C95625-3632-4203-9D8F-46AD01945C30}" type="datetimeFigureOut">
               <a:rPr kumimoji="1" lang="ja-JP" altLang="en-US" smtClean="0"/>
-              <a:t>2016/6/9</a:t>
+              <a:t>2016/7/14</a:t>
             </a:fld>
             <a:endParaRPr kumimoji="1" lang="ja-JP" altLang="en-US"/>
           </a:p>
@@ -445,7 +445,7 @@
           <a:p>
             <a:fld id="{31C95625-3632-4203-9D8F-46AD01945C30}" type="datetimeFigureOut">
               <a:rPr kumimoji="1" lang="ja-JP" altLang="en-US" smtClean="0"/>
-              <a:t>2016/6/9</a:t>
+              <a:t>2016/7/14</a:t>
             </a:fld>
             <a:endParaRPr kumimoji="1" lang="ja-JP" altLang="en-US"/>
           </a:p>
@@ -657,7 +657,7 @@
           <a:p>
             <a:fld id="{31C95625-3632-4203-9D8F-46AD01945C30}" type="datetimeFigureOut">
               <a:rPr kumimoji="1" lang="ja-JP" altLang="en-US" smtClean="0"/>
-              <a:t>2016/6/9</a:t>
+              <a:t>2016/7/14</a:t>
             </a:fld>
             <a:endParaRPr kumimoji="1" lang="ja-JP" altLang="en-US"/>
           </a:p>
@@ -859,7 +859,7 @@
           <a:p>
             <a:fld id="{31C95625-3632-4203-9D8F-46AD01945C30}" type="datetimeFigureOut">
               <a:rPr kumimoji="1" lang="ja-JP" altLang="en-US" smtClean="0"/>
-              <a:t>2016/6/9</a:t>
+              <a:t>2016/7/14</a:t>
             </a:fld>
             <a:endParaRPr kumimoji="1" lang="ja-JP" altLang="en-US"/>
           </a:p>
@@ -1103,7 +1103,7 @@
           <a:p>
             <a:fld id="{31C95625-3632-4203-9D8F-46AD01945C30}" type="datetimeFigureOut">
               <a:rPr kumimoji="1" lang="ja-JP" altLang="en-US" smtClean="0"/>
-              <a:t>2016/6/9</a:t>
+              <a:t>2016/7/14</a:t>
             </a:fld>
             <a:endParaRPr kumimoji="1" lang="ja-JP" altLang="en-US"/>
           </a:p>
@@ -1399,7 +1399,7 @@
           <a:p>
             <a:fld id="{31C95625-3632-4203-9D8F-46AD01945C30}" type="datetimeFigureOut">
               <a:rPr kumimoji="1" lang="ja-JP" altLang="en-US" smtClean="0"/>
-              <a:t>2016/6/9</a:t>
+              <a:t>2016/7/14</a:t>
             </a:fld>
             <a:endParaRPr kumimoji="1" lang="ja-JP" altLang="en-US"/>
           </a:p>
@@ -1830,7 +1830,7 @@
           <a:p>
             <a:fld id="{31C95625-3632-4203-9D8F-46AD01945C30}" type="datetimeFigureOut">
               <a:rPr kumimoji="1" lang="ja-JP" altLang="en-US" smtClean="0"/>
-              <a:t>2016/6/9</a:t>
+              <a:t>2016/7/14</a:t>
             </a:fld>
             <a:endParaRPr kumimoji="1" lang="ja-JP" altLang="en-US"/>
           </a:p>
@@ -1948,7 +1948,7 @@
           <a:p>
             <a:fld id="{31C95625-3632-4203-9D8F-46AD01945C30}" type="datetimeFigureOut">
               <a:rPr kumimoji="1" lang="ja-JP" altLang="en-US" smtClean="0"/>
-              <a:t>2016/6/9</a:t>
+              <a:t>2016/7/14</a:t>
             </a:fld>
             <a:endParaRPr kumimoji="1" lang="ja-JP" altLang="en-US"/>
           </a:p>
@@ -2043,7 +2043,7 @@
           <a:p>
             <a:fld id="{31C95625-3632-4203-9D8F-46AD01945C30}" type="datetimeFigureOut">
               <a:rPr kumimoji="1" lang="ja-JP" altLang="en-US" smtClean="0"/>
-              <a:t>2016/6/9</a:t>
+              <a:t>2016/7/14</a:t>
             </a:fld>
             <a:endParaRPr kumimoji="1" lang="ja-JP" altLang="en-US"/>
           </a:p>
@@ -2352,7 +2352,7 @@
           <a:p>
             <a:fld id="{31C95625-3632-4203-9D8F-46AD01945C30}" type="datetimeFigureOut">
               <a:rPr kumimoji="1" lang="ja-JP" altLang="en-US" smtClean="0"/>
-              <a:t>2016/6/9</a:t>
+              <a:t>2016/7/14</a:t>
             </a:fld>
             <a:endParaRPr kumimoji="1" lang="ja-JP" altLang="en-US"/>
           </a:p>
@@ -2609,7 +2609,7 @@
           <a:p>
             <a:fld id="{31C95625-3632-4203-9D8F-46AD01945C30}" type="datetimeFigureOut">
               <a:rPr kumimoji="1" lang="ja-JP" altLang="en-US" smtClean="0"/>
-              <a:t>2016/6/9</a:t>
+              <a:t>2016/7/14</a:t>
             </a:fld>
             <a:endParaRPr kumimoji="1" lang="ja-JP" altLang="en-US"/>
           </a:p>
@@ -2854,7 +2854,7 @@
           <a:p>
             <a:fld id="{31C95625-3632-4203-9D8F-46AD01945C30}" type="datetimeFigureOut">
               <a:rPr kumimoji="1" lang="ja-JP" altLang="en-US" smtClean="0"/>
-              <a:t>2016/6/9</a:t>
+              <a:t>2016/7/14</a:t>
             </a:fld>
             <a:endParaRPr kumimoji="1" lang="ja-JP" altLang="en-US"/>
           </a:p>
@@ -3285,7 +3285,19 @@
             </a:r>
             <a:r>
               <a:rPr kumimoji="1" lang="en-US" altLang="ja-JP" dirty="0" smtClean="0"/>
-              <a:t> List</a:t>
+              <a:t> </a:t>
+            </a:r>
+            <a:r>
+              <a:rPr kumimoji="1" lang="en-US" altLang="ja-JP" dirty="0" smtClean="0"/>
+              <a:t>List</a:t>
+            </a:r>
+            <a:r>
+              <a:rPr kumimoji="1" lang="ja-JP" altLang="en-US" dirty="0" smtClean="0"/>
+              <a:t>　</a:t>
+            </a:r>
+            <a:r>
+              <a:rPr kumimoji="1" lang="en-US" altLang="ja-JP" dirty="0" smtClean="0"/>
+              <a:t>1</a:t>
             </a:r>
             <a:endParaRPr kumimoji="1" lang="ja-JP" altLang="en-US" dirty="0"/>
           </a:p>
@@ -3299,8 +3311,8 @@
         </p:nvSpPr>
         <p:spPr>
           <a:xfrm>
-            <a:off x="471487" y="1052185"/>
-            <a:ext cx="5915025" cy="8402300"/>
+            <a:off x="471487" y="939452"/>
+            <a:ext cx="5915025" cy="7848302"/>
           </a:xfrm>
           <a:prstGeom prst="rect">
             <a:avLst/>
@@ -3318,14 +3330,14 @@
               <a:buChar char="p"/>
             </a:pPr>
             <a:r>
-              <a:rPr kumimoji="1" lang="en-US" altLang="ja-JP" dirty="0" smtClean="0"/>
+              <a:rPr kumimoji="1" lang="en-US" altLang="ja-JP" sz="1400" dirty="0" smtClean="0"/>
               <a:t> </a:t>
             </a:r>
             <a:r>
-              <a:rPr lang="ja-JP" altLang="en-US" dirty="0" smtClean="0"/>
+              <a:rPr lang="ja-JP" altLang="en-US" sz="1400" dirty="0" smtClean="0"/>
               <a:t>プロトタイプの製作</a:t>
             </a:r>
-            <a:endParaRPr lang="en-US" altLang="ja-JP" dirty="0" smtClean="0"/>
+            <a:endParaRPr lang="en-US" altLang="ja-JP" sz="1400" dirty="0" smtClean="0"/>
           </a:p>
           <a:p>
             <a:pPr marL="742950" lvl="1" indent="-285750">
@@ -3333,31 +3345,31 @@
               <a:buChar char="p"/>
             </a:pPr>
             <a:r>
-              <a:rPr lang="en-US" altLang="ja-JP" dirty="0" smtClean="0"/>
+              <a:rPr lang="en-US" altLang="ja-JP" sz="1400" dirty="0" smtClean="0"/>
               <a:t> </a:t>
             </a:r>
             <a:r>
-              <a:rPr lang="ja-JP" altLang="en-US" dirty="0" smtClean="0"/>
+              <a:rPr lang="ja-JP" altLang="en-US" sz="1400" dirty="0" smtClean="0"/>
               <a:t>プロトタイプ</a:t>
             </a:r>
             <a:r>
-              <a:rPr lang="en-US" altLang="ja-JP" dirty="0" smtClean="0"/>
+              <a:rPr lang="en-US" altLang="ja-JP" sz="1400" dirty="0" smtClean="0"/>
               <a:t>1</a:t>
             </a:r>
             <a:r>
-              <a:rPr lang="ja-JP" altLang="en-US" dirty="0" smtClean="0"/>
+              <a:rPr lang="ja-JP" altLang="en-US" sz="1400" dirty="0" smtClean="0"/>
               <a:t>の作成</a:t>
             </a:r>
             <a:r>
-              <a:rPr lang="en-US" altLang="ja-JP" dirty="0" smtClean="0"/>
+              <a:rPr lang="en-US" altLang="ja-JP" sz="1400" dirty="0" smtClean="0"/>
               <a:t>(</a:t>
             </a:r>
             <a:r>
-              <a:rPr lang="ja-JP" altLang="en-US" dirty="0" smtClean="0"/>
+              <a:rPr lang="ja-JP" altLang="en-US" sz="1400" dirty="0" smtClean="0"/>
               <a:t>プログラムの動作確認用</a:t>
             </a:r>
             <a:r>
-              <a:rPr lang="en-US" altLang="ja-JP" dirty="0" smtClean="0"/>
+              <a:rPr lang="en-US" altLang="ja-JP" sz="1400" dirty="0" smtClean="0"/>
               <a:t>)</a:t>
             </a:r>
           </a:p>
@@ -3367,31 +3379,31 @@
               <a:buChar char="p"/>
             </a:pPr>
             <a:r>
-              <a:rPr lang="en-US" altLang="ja-JP" dirty="0" smtClean="0"/>
+              <a:rPr lang="en-US" altLang="ja-JP" sz="1400" dirty="0" smtClean="0"/>
               <a:t> </a:t>
             </a:r>
             <a:r>
-              <a:rPr lang="ja-JP" altLang="en-US" dirty="0" smtClean="0"/>
+              <a:rPr lang="ja-JP" altLang="en-US" sz="1400" dirty="0" smtClean="0"/>
               <a:t>プロトタイプ</a:t>
             </a:r>
             <a:r>
-              <a:rPr lang="en-US" altLang="ja-JP" dirty="0" smtClean="0"/>
+              <a:rPr lang="en-US" altLang="ja-JP" sz="1400" dirty="0" smtClean="0"/>
               <a:t>2</a:t>
             </a:r>
             <a:r>
-              <a:rPr lang="ja-JP" altLang="en-US" dirty="0" smtClean="0"/>
+              <a:rPr lang="ja-JP" altLang="en-US" sz="1400" dirty="0" smtClean="0"/>
               <a:t>の作成</a:t>
             </a:r>
             <a:r>
-              <a:rPr lang="en-US" altLang="ja-JP" dirty="0" smtClean="0"/>
+              <a:rPr lang="en-US" altLang="ja-JP" sz="1400" dirty="0" smtClean="0"/>
               <a:t>(</a:t>
             </a:r>
             <a:r>
-              <a:rPr lang="ja-JP" altLang="en-US" dirty="0" smtClean="0"/>
+              <a:rPr lang="ja-JP" altLang="en-US" sz="1400" dirty="0" smtClean="0"/>
               <a:t>本番と同じ構成</a:t>
             </a:r>
             <a:r>
-              <a:rPr lang="en-US" altLang="ja-JP" dirty="0" smtClean="0"/>
+              <a:rPr lang="en-US" altLang="ja-JP" sz="1400" dirty="0" smtClean="0"/>
               <a:t>)</a:t>
             </a:r>
           </a:p>
@@ -3401,10 +3413,10 @@
               <a:buChar char="p"/>
             </a:pPr>
             <a:r>
-              <a:rPr lang="ja-JP" altLang="en-US" dirty="0" smtClean="0"/>
+              <a:rPr lang="ja-JP" altLang="en-US" sz="1400" dirty="0" smtClean="0"/>
               <a:t>半田付けの時間と難易度を確認</a:t>
             </a:r>
-            <a:endParaRPr lang="en-US" altLang="ja-JP" dirty="0" smtClean="0"/>
+            <a:endParaRPr lang="en-US" altLang="ja-JP" sz="1400" dirty="0" smtClean="0"/>
           </a:p>
           <a:p>
             <a:pPr marL="1200150" lvl="2" indent="-285750">
@@ -3412,14 +3424,14 @@
               <a:buChar char="p"/>
             </a:pPr>
             <a:r>
-              <a:rPr lang="ja-JP" altLang="en-US" dirty="0" smtClean="0"/>
+              <a:rPr lang="ja-JP" altLang="en-US" sz="1400" dirty="0" smtClean="0"/>
               <a:t>デバックがやり易いかを確認</a:t>
             </a:r>
-            <a:endParaRPr lang="en-US" altLang="ja-JP" dirty="0" smtClean="0"/>
+            <a:endParaRPr lang="en-US" altLang="ja-JP" sz="1400" dirty="0" smtClean="0"/>
           </a:p>
           <a:p>
             <a:pPr lvl="2"/>
-            <a:endParaRPr lang="en-US" altLang="ja-JP" dirty="0" smtClean="0"/>
+            <a:endParaRPr lang="en-US" altLang="ja-JP" sz="1400" dirty="0" smtClean="0"/>
           </a:p>
           <a:p>
             <a:pPr marL="285750" indent="-285750">
@@ -3427,14 +3439,14 @@
               <a:buChar char="p"/>
             </a:pPr>
             <a:r>
-              <a:rPr lang="en-US" altLang="ja-JP" dirty="0" smtClean="0"/>
+              <a:rPr lang="en-US" altLang="ja-JP" sz="1400" dirty="0" smtClean="0"/>
               <a:t> </a:t>
             </a:r>
             <a:r>
-              <a:rPr lang="ja-JP" altLang="en-US" dirty="0" smtClean="0"/>
+              <a:rPr lang="ja-JP" altLang="en-US" sz="1400" dirty="0" smtClean="0"/>
               <a:t>発注リストの作成</a:t>
             </a:r>
-            <a:endParaRPr lang="en-US" altLang="ja-JP" dirty="0" smtClean="0"/>
+            <a:endParaRPr lang="en-US" altLang="ja-JP" sz="1400" dirty="0" smtClean="0"/>
           </a:p>
           <a:p>
             <a:pPr marL="742950" lvl="1" indent="-285750">
@@ -3442,10 +3454,10 @@
               <a:buChar char="p"/>
             </a:pPr>
             <a:r>
-              <a:rPr lang="ja-JP" altLang="en-US" dirty="0" smtClean="0"/>
+              <a:rPr lang="ja-JP" altLang="en-US" sz="1400" dirty="0" smtClean="0"/>
               <a:t>必要物品の書き出し</a:t>
             </a:r>
-            <a:endParaRPr lang="en-US" altLang="ja-JP" dirty="0" smtClean="0"/>
+            <a:endParaRPr lang="en-US" altLang="ja-JP" sz="1400" dirty="0" smtClean="0"/>
           </a:p>
           <a:p>
             <a:pPr marL="742950" lvl="1" indent="-285750">
@@ -3453,10 +3465,14 @@
               <a:buChar char="p"/>
             </a:pPr>
             <a:r>
-              <a:rPr lang="ja-JP" altLang="en-US" dirty="0" smtClean="0"/>
-              <a:t>石倉先生に発注を依頼</a:t>
-            </a:r>
-            <a:endParaRPr lang="en-US" altLang="ja-JP" dirty="0" smtClean="0"/>
+              <a:rPr lang="ja-JP" altLang="en-US" sz="1400" dirty="0" smtClean="0"/>
+              <a:t>部品の発注</a:t>
+            </a:r>
+            <a:r>
+              <a:rPr lang="ja-JP" altLang="en-US" sz="1400" dirty="0" smtClean="0"/>
+              <a:t>を依頼</a:t>
+            </a:r>
+            <a:endParaRPr lang="en-US" altLang="ja-JP" sz="1400" dirty="0" smtClean="0"/>
           </a:p>
           <a:p>
             <a:pPr marL="742950" lvl="1" indent="-285750">
@@ -3464,10 +3480,10 @@
               <a:buChar char="p"/>
             </a:pPr>
             <a:r>
-              <a:rPr lang="ja-JP" altLang="en-US" dirty="0" smtClean="0"/>
+              <a:rPr lang="ja-JP" altLang="en-US" sz="1400" dirty="0" smtClean="0"/>
               <a:t>発注リストと見積書に間違いがないか確認</a:t>
             </a:r>
-            <a:endParaRPr lang="en-US" altLang="ja-JP" dirty="0" smtClean="0"/>
+            <a:endParaRPr lang="en-US" altLang="ja-JP" sz="1400" dirty="0" smtClean="0"/>
           </a:p>
           <a:p>
             <a:pPr marL="742950" lvl="1" indent="-285750">
@@ -3475,14 +3491,14 @@
               <a:buChar char="p"/>
             </a:pPr>
             <a:r>
-              <a:rPr lang="ja-JP" altLang="en-US" dirty="0" smtClean="0"/>
+              <a:rPr lang="ja-JP" altLang="en-US" sz="1400" dirty="0" smtClean="0"/>
               <a:t>見積書から予算を修正</a:t>
             </a:r>
-            <a:endParaRPr lang="en-US" altLang="ja-JP" dirty="0" smtClean="0"/>
+            <a:endParaRPr lang="en-US" altLang="ja-JP" sz="1400" dirty="0" smtClean="0"/>
           </a:p>
           <a:p>
             <a:pPr lvl="1"/>
-            <a:endParaRPr lang="en-US" altLang="ja-JP" dirty="0"/>
+            <a:endParaRPr lang="en-US" altLang="ja-JP" sz="1400" dirty="0"/>
           </a:p>
           <a:p>
             <a:pPr marL="285750" indent="-285750">
@@ -3490,14 +3506,14 @@
               <a:buChar char="p"/>
             </a:pPr>
             <a:r>
-              <a:rPr lang="en-US" altLang="ja-JP" dirty="0"/>
+              <a:rPr lang="en-US" altLang="ja-JP" sz="1400" dirty="0"/>
               <a:t> </a:t>
             </a:r>
             <a:r>
-              <a:rPr lang="ja-JP" altLang="en-US" dirty="0" smtClean="0"/>
+              <a:rPr lang="ja-JP" altLang="en-US" sz="1400" dirty="0" smtClean="0"/>
               <a:t>パーツの検品と小分け</a:t>
             </a:r>
-            <a:endParaRPr lang="en-US" altLang="ja-JP" dirty="0" smtClean="0"/>
+            <a:endParaRPr lang="en-US" altLang="ja-JP" sz="1400" dirty="0" smtClean="0"/>
           </a:p>
           <a:p>
             <a:pPr marL="742950" lvl="1" indent="-285750">
@@ -3505,10 +3521,10 @@
               <a:buChar char="p"/>
             </a:pPr>
             <a:r>
-              <a:rPr lang="ja-JP" altLang="en-US" dirty="0" smtClean="0"/>
+              <a:rPr lang="ja-JP" altLang="en-US" sz="1400" dirty="0" smtClean="0"/>
               <a:t>納品書通りに部品が到着しているか確認</a:t>
             </a:r>
-            <a:endParaRPr lang="en-US" altLang="ja-JP" dirty="0" smtClean="0"/>
+            <a:endParaRPr lang="en-US" altLang="ja-JP" sz="1400" dirty="0" smtClean="0"/>
           </a:p>
           <a:p>
             <a:pPr marL="742950" lvl="1" indent="-285750">
@@ -3516,10 +3532,10 @@
               <a:buChar char="p"/>
             </a:pPr>
             <a:r>
-              <a:rPr lang="ja-JP" altLang="en-US" dirty="0" smtClean="0"/>
+              <a:rPr lang="ja-JP" altLang="en-US" sz="1400" dirty="0" smtClean="0"/>
               <a:t>部品が必要数あるか確認</a:t>
             </a:r>
-            <a:endParaRPr lang="en-US" altLang="ja-JP" dirty="0"/>
+            <a:endParaRPr lang="en-US" altLang="ja-JP" sz="1400" dirty="0"/>
           </a:p>
           <a:p>
             <a:pPr marL="742950" lvl="1" indent="-285750">
@@ -3527,33 +3543,28 @@
               <a:buChar char="p"/>
             </a:pPr>
             <a:r>
-              <a:rPr lang="ja-JP" altLang="en-US" dirty="0" smtClean="0"/>
-              <a:t>小分け袋を使って、一セットずつ小分けに</a:t>
-            </a:r>
-            <a:r>
-              <a:rPr lang="ja-JP" altLang="en-US" dirty="0" smtClean="0"/>
-              <a:t>する</a:t>
-            </a:r>
-            <a:r>
-              <a:rPr lang="en-US" altLang="ja-JP" dirty="0" smtClean="0"/>
+              <a:rPr lang="ja-JP" altLang="en-US" sz="1400" dirty="0" smtClean="0"/>
+              <a:t>小分け袋を使って、一セットずつ小分けにする</a:t>
+            </a:r>
+            <a:r>
+              <a:rPr lang="en-US" altLang="ja-JP" sz="1400" dirty="0" smtClean="0"/>
               <a:t>(20</a:t>
             </a:r>
             <a:r>
-              <a:rPr lang="ja-JP" altLang="en-US" dirty="0" smtClean="0"/>
+              <a:rPr lang="ja-JP" altLang="en-US" sz="1400" dirty="0" smtClean="0"/>
               <a:t>個分</a:t>
             </a:r>
             <a:r>
-              <a:rPr lang="en-US" altLang="ja-JP" dirty="0" smtClean="0"/>
+              <a:rPr lang="en-US" altLang="ja-JP" sz="1400" dirty="0" smtClean="0"/>
               <a:t>)</a:t>
             </a:r>
-            <a:endParaRPr lang="en-US" altLang="ja-JP" dirty="0" smtClean="0"/>
           </a:p>
           <a:p>
             <a:pPr marL="742950" lvl="1" indent="-285750">
               <a:buFont typeface="Wingdings" panose="05000000000000000000" pitchFamily="2" charset="2"/>
               <a:buChar char="p"/>
             </a:pPr>
-            <a:endParaRPr lang="en-US" altLang="ja-JP" dirty="0" smtClean="0"/>
+            <a:endParaRPr lang="en-US" altLang="ja-JP" sz="1400" dirty="0" smtClean="0"/>
           </a:p>
           <a:p>
             <a:pPr marL="285750" indent="-285750">
@@ -3561,14 +3572,14 @@
               <a:buChar char="p"/>
             </a:pPr>
             <a:r>
-              <a:rPr lang="en-US" altLang="ja-JP" dirty="0"/>
+              <a:rPr lang="en-US" altLang="ja-JP" sz="1400" dirty="0"/>
               <a:t> </a:t>
             </a:r>
             <a:r>
-              <a:rPr lang="ja-JP" altLang="en-US" dirty="0" smtClean="0"/>
+              <a:rPr lang="ja-JP" altLang="en-US" sz="1400" dirty="0" smtClean="0"/>
               <a:t>配布用資料の作成</a:t>
             </a:r>
-            <a:endParaRPr lang="en-US" altLang="ja-JP" dirty="0" smtClean="0"/>
+            <a:endParaRPr lang="en-US" altLang="ja-JP" sz="1400" dirty="0" smtClean="0"/>
           </a:p>
           <a:p>
             <a:pPr marL="742950" lvl="1" indent="-285750">
@@ -3576,10 +3587,10 @@
               <a:buChar char="p"/>
             </a:pPr>
             <a:r>
-              <a:rPr lang="ja-JP" altLang="en-US" dirty="0" smtClean="0"/>
+              <a:rPr lang="ja-JP" altLang="en-US" sz="1400" dirty="0" smtClean="0"/>
               <a:t>表紙</a:t>
             </a:r>
-            <a:endParaRPr lang="en-US" altLang="ja-JP" dirty="0" smtClean="0"/>
+            <a:endParaRPr lang="en-US" altLang="ja-JP" sz="1400" dirty="0" smtClean="0"/>
           </a:p>
           <a:p>
             <a:pPr marL="742950" lvl="1" indent="-285750">
@@ -3587,10 +3598,10 @@
               <a:buChar char="p"/>
             </a:pPr>
             <a:r>
-              <a:rPr lang="ja-JP" altLang="en-US" dirty="0" smtClean="0"/>
+              <a:rPr lang="ja-JP" altLang="en-US" sz="1400" dirty="0" smtClean="0"/>
               <a:t>パーツリスト</a:t>
             </a:r>
-            <a:endParaRPr lang="en-US" altLang="ja-JP" dirty="0" smtClean="0"/>
+            <a:endParaRPr lang="en-US" altLang="ja-JP" sz="1400" dirty="0" smtClean="0"/>
           </a:p>
           <a:p>
             <a:pPr marL="742950" lvl="1" indent="-285750">
@@ -3598,10 +3609,10 @@
               <a:buChar char="p"/>
             </a:pPr>
             <a:r>
-              <a:rPr lang="ja-JP" altLang="en-US" dirty="0" smtClean="0"/>
+              <a:rPr lang="ja-JP" altLang="en-US" sz="1400" dirty="0" smtClean="0"/>
               <a:t>作成手順</a:t>
             </a:r>
-            <a:endParaRPr lang="en-US" altLang="ja-JP" dirty="0" smtClean="0"/>
+            <a:endParaRPr lang="en-US" altLang="ja-JP" sz="1400" dirty="0" smtClean="0"/>
           </a:p>
           <a:p>
             <a:pPr marL="742950" lvl="1" indent="-285750">
@@ -3609,14 +3620,14 @@
               <a:buChar char="p"/>
             </a:pPr>
             <a:r>
-              <a:rPr lang="ja-JP" altLang="en-US" dirty="0" smtClean="0"/>
+              <a:rPr lang="ja-JP" altLang="en-US" sz="1400" dirty="0" smtClean="0"/>
               <a:t>学習コントローラの使い方</a:t>
             </a:r>
-            <a:endParaRPr lang="en-US" altLang="ja-JP" dirty="0" smtClean="0"/>
+            <a:endParaRPr lang="en-US" altLang="ja-JP" sz="1400" dirty="0" smtClean="0"/>
           </a:p>
           <a:p>
             <a:pPr lvl="1"/>
-            <a:endParaRPr lang="en-US" altLang="ja-JP" dirty="0" smtClean="0"/>
+            <a:endParaRPr lang="en-US" altLang="ja-JP" sz="1400" dirty="0" smtClean="0"/>
           </a:p>
           <a:p>
             <a:pPr marL="285750" indent="-285750">
@@ -3624,14 +3635,14 @@
               <a:buChar char="p"/>
             </a:pPr>
             <a:r>
-              <a:rPr lang="en-US" altLang="ja-JP" dirty="0" smtClean="0"/>
+              <a:rPr lang="en-US" altLang="ja-JP" sz="1400" dirty="0" smtClean="0"/>
               <a:t> </a:t>
             </a:r>
             <a:r>
-              <a:rPr lang="ja-JP" altLang="en-US" dirty="0" smtClean="0"/>
+              <a:rPr lang="ja-JP" altLang="en-US" sz="1400" dirty="0" smtClean="0"/>
               <a:t>事前準備</a:t>
             </a:r>
-            <a:endParaRPr lang="en-US" altLang="ja-JP" dirty="0" smtClean="0"/>
+            <a:endParaRPr lang="en-US" altLang="ja-JP" sz="1400" dirty="0" smtClean="0"/>
           </a:p>
           <a:p>
             <a:pPr marL="742950" lvl="1" indent="-285750">
@@ -3639,34 +3650,34 @@
               <a:buChar char="p"/>
             </a:pPr>
             <a:r>
-              <a:rPr lang="ja-JP" altLang="en-US" dirty="0" smtClean="0"/>
+              <a:rPr lang="ja-JP" altLang="en-US" sz="1400" dirty="0" smtClean="0"/>
               <a:t>ケースの作成</a:t>
             </a:r>
             <a:r>
-              <a:rPr lang="en-US" altLang="ja-JP" dirty="0" smtClean="0"/>
+              <a:rPr lang="en-US" altLang="ja-JP" sz="1400" dirty="0" smtClean="0"/>
               <a:t>(3D</a:t>
             </a:r>
             <a:r>
-              <a:rPr lang="ja-JP" altLang="en-US" dirty="0" smtClean="0"/>
+              <a:rPr lang="ja-JP" altLang="en-US" sz="1400" dirty="0" smtClean="0"/>
               <a:t>プリンタ</a:t>
             </a:r>
             <a:r>
-              <a:rPr lang="en-US" altLang="ja-JP" dirty="0" smtClean="0"/>
+              <a:rPr lang="en-US" altLang="ja-JP" sz="1400" dirty="0" smtClean="0"/>
               <a:t>)</a:t>
             </a:r>
             <a:r>
-              <a:rPr lang="ja-JP" altLang="en-US" dirty="0" smtClean="0"/>
+              <a:rPr lang="ja-JP" altLang="en-US" sz="1400" dirty="0" smtClean="0"/>
               <a:t>　</a:t>
             </a:r>
             <a:r>
-              <a:rPr lang="en-US" altLang="ja-JP" dirty="0" smtClean="0"/>
+              <a:rPr lang="en-US" altLang="ja-JP" sz="1400" dirty="0" smtClean="0"/>
               <a:t>	20</a:t>
             </a:r>
             <a:r>
-              <a:rPr lang="ja-JP" altLang="en-US" dirty="0" smtClean="0"/>
+              <a:rPr lang="ja-JP" altLang="en-US" sz="1400" dirty="0" smtClean="0"/>
               <a:t>個分</a:t>
             </a:r>
-            <a:endParaRPr lang="en-US" altLang="ja-JP" dirty="0" smtClean="0"/>
+            <a:endParaRPr lang="en-US" altLang="ja-JP" sz="1400" dirty="0" smtClean="0"/>
           </a:p>
           <a:p>
             <a:pPr marL="742950" lvl="1" indent="-285750">
@@ -3674,10 +3685,10 @@
               <a:buChar char="p"/>
             </a:pPr>
             <a:r>
-              <a:rPr lang="ja-JP" altLang="en-US" dirty="0" smtClean="0"/>
+              <a:rPr lang="ja-JP" altLang="en-US" sz="1400" dirty="0" smtClean="0"/>
               <a:t>ケースの穴あけ加工</a:t>
             </a:r>
-            <a:endParaRPr lang="en-US" altLang="ja-JP" dirty="0" smtClean="0"/>
+            <a:endParaRPr lang="en-US" altLang="ja-JP" sz="1400" dirty="0" smtClean="0"/>
           </a:p>
           <a:p>
             <a:pPr marL="742950" lvl="1" indent="-285750">
@@ -3685,19 +3696,19 @@
               <a:buChar char="p"/>
             </a:pPr>
             <a:r>
-              <a:rPr lang="ja-JP" altLang="en-US" dirty="0" smtClean="0"/>
+              <a:rPr lang="ja-JP" altLang="en-US" sz="1400" dirty="0" smtClean="0"/>
               <a:t>ケースの仕上げ加工</a:t>
             </a:r>
             <a:r>
-              <a:rPr lang="en-US" altLang="ja-JP" dirty="0" smtClean="0"/>
+              <a:rPr lang="en-US" altLang="ja-JP" sz="1400" dirty="0" smtClean="0"/>
               <a:t>(</a:t>
             </a:r>
             <a:r>
-              <a:rPr lang="ja-JP" altLang="en-US" dirty="0" smtClean="0"/>
+              <a:rPr lang="ja-JP" altLang="en-US" sz="1400" dirty="0" smtClean="0"/>
               <a:t>ヤスリ</a:t>
             </a:r>
             <a:r>
-              <a:rPr lang="en-US" altLang="ja-JP" dirty="0" smtClean="0"/>
+              <a:rPr lang="en-US" altLang="ja-JP" sz="1400" dirty="0" smtClean="0"/>
               <a:t>)</a:t>
             </a:r>
           </a:p>
@@ -3707,10 +3718,10 @@
               <a:buChar char="p"/>
             </a:pPr>
             <a:r>
-              <a:rPr lang="ja-JP" altLang="en-US" dirty="0" smtClean="0"/>
+              <a:rPr lang="ja-JP" altLang="en-US" sz="1400" dirty="0" smtClean="0"/>
               <a:t>電池ボックスをケースに取り付け</a:t>
             </a:r>
-            <a:endParaRPr lang="en-US" altLang="ja-JP" dirty="0" smtClean="0"/>
+            <a:endParaRPr lang="en-US" altLang="ja-JP" sz="1400" dirty="0" smtClean="0"/>
           </a:p>
           <a:p>
             <a:pPr marL="742950" lvl="1" indent="-285750">
@@ -3718,22 +3729,122 @@
               <a:buChar char="p"/>
             </a:pPr>
             <a:r>
-              <a:rPr lang="ja-JP" altLang="en-US" dirty="0" smtClean="0"/>
+              <a:rPr lang="ja-JP" altLang="en-US" sz="1400" dirty="0" smtClean="0"/>
               <a:t>基板へパーツの</a:t>
             </a:r>
             <a:r>
-              <a:rPr lang="ja-JP" altLang="en-US" dirty="0" smtClean="0"/>
+              <a:rPr lang="ja-JP" altLang="en-US" sz="1400" dirty="0" smtClean="0"/>
               <a:t>取り付け</a:t>
             </a:r>
             <a:r>
-              <a:rPr lang="en-US" altLang="ja-JP" dirty="0" smtClean="0"/>
-              <a:t>	20</a:t>
-            </a:r>
-            <a:r>
-              <a:rPr lang="ja-JP" altLang="en-US" dirty="0" smtClean="0"/>
+              <a:rPr lang="en-US" altLang="ja-JP" sz="1400" dirty="0"/>
+              <a:t>	</a:t>
+            </a:r>
+            <a:r>
+              <a:rPr lang="en-US" altLang="ja-JP" sz="1400" dirty="0" smtClean="0"/>
+              <a:t>	</a:t>
+            </a:r>
+            <a:r>
+              <a:rPr lang="en-US" altLang="ja-JP" sz="1400" dirty="0" smtClean="0"/>
+              <a:t>20</a:t>
+            </a:r>
+            <a:r>
+              <a:rPr lang="ja-JP" altLang="en-US" sz="1400" dirty="0" smtClean="0"/>
               <a:t>個分</a:t>
             </a:r>
-            <a:endParaRPr lang="en-US" altLang="ja-JP" dirty="0" smtClean="0"/>
+            <a:endParaRPr lang="en-US" altLang="ja-JP" sz="1400" dirty="0" smtClean="0"/>
+          </a:p>
+          <a:p>
+            <a:pPr marL="742950" lvl="1" indent="-285750">
+              <a:buFont typeface="Wingdings" panose="05000000000000000000" pitchFamily="2" charset="2"/>
+              <a:buChar char="p"/>
+            </a:pPr>
+            <a:r>
+              <a:rPr lang="ja-JP" altLang="en-US" sz="1400" dirty="0"/>
+              <a:t>マイコン</a:t>
+            </a:r>
+            <a:r>
+              <a:rPr lang="ja-JP" altLang="en-US" sz="1400" dirty="0" smtClean="0"/>
+              <a:t>にプログラムの書き込み</a:t>
+            </a:r>
+            <a:endParaRPr lang="en-US" altLang="ja-JP" sz="1400" dirty="0" smtClean="0"/>
+          </a:p>
+          <a:p>
+            <a:pPr marL="742950" lvl="1" indent="-285750">
+              <a:buFont typeface="Wingdings" panose="05000000000000000000" pitchFamily="2" charset="2"/>
+              <a:buChar char="p"/>
+            </a:pPr>
+            <a:r>
+              <a:rPr lang="ja-JP" altLang="en-US" sz="1400" dirty="0" smtClean="0"/>
+              <a:t>メイン基盤の短絡チェック</a:t>
+            </a:r>
+            <a:endParaRPr lang="en-US" altLang="ja-JP" sz="1400" dirty="0" smtClean="0"/>
+          </a:p>
+          <a:p>
+            <a:pPr marL="742950" lvl="1" indent="-285750">
+              <a:buFont typeface="Wingdings" panose="05000000000000000000" pitchFamily="2" charset="2"/>
+              <a:buChar char="p"/>
+            </a:pPr>
+            <a:r>
+              <a:rPr lang="ja-JP" altLang="en-US" sz="1400" dirty="0" smtClean="0"/>
+              <a:t>メイン基盤の動作確認</a:t>
+            </a:r>
+            <a:r>
+              <a:rPr lang="en-US" altLang="ja-JP" sz="1400" dirty="0" smtClean="0"/>
+              <a:t>(</a:t>
+            </a:r>
+            <a:r>
+              <a:rPr lang="ja-JP" altLang="en-US" sz="1400" dirty="0" smtClean="0"/>
+              <a:t>配布用資料のデバックの項を参照</a:t>
+            </a:r>
+            <a:r>
+              <a:rPr lang="en-US" altLang="ja-JP" sz="1400" dirty="0" smtClean="0"/>
+              <a:t>)</a:t>
+            </a:r>
+          </a:p>
+          <a:p>
+            <a:pPr marL="742950" lvl="1" indent="-285750">
+              <a:buFont typeface="Wingdings" panose="05000000000000000000" pitchFamily="2" charset="2"/>
+              <a:buChar char="p"/>
+            </a:pPr>
+            <a:endParaRPr lang="en-US" altLang="ja-JP" sz="1400" dirty="0"/>
+          </a:p>
+          <a:p>
+            <a:pPr marL="285750" indent="-285750">
+              <a:buFont typeface="Wingdings" panose="05000000000000000000" pitchFamily="2" charset="2"/>
+              <a:buChar char="p"/>
+            </a:pPr>
+            <a:r>
+              <a:rPr lang="ja-JP" altLang="en-US" sz="1400" dirty="0" smtClean="0"/>
+              <a:t>当日必要物品の確認と準備</a:t>
+            </a:r>
+            <a:endParaRPr lang="en-US" altLang="ja-JP" sz="1400" dirty="0" smtClean="0"/>
+          </a:p>
+          <a:p>
+            <a:pPr marL="742950" lvl="1" indent="-285750">
+              <a:buFont typeface="Wingdings" panose="05000000000000000000" pitchFamily="2" charset="2"/>
+              <a:buChar char="p"/>
+            </a:pPr>
+            <a:r>
+              <a:rPr lang="ja-JP" altLang="en-US" sz="1400" dirty="0" smtClean="0"/>
+              <a:t>赤外線で動く家電を用意</a:t>
+            </a:r>
+            <a:endParaRPr lang="en-US" altLang="ja-JP" sz="1400" dirty="0" smtClean="0"/>
+          </a:p>
+          <a:p>
+            <a:pPr marL="742950" lvl="1" indent="-285750">
+              <a:buFont typeface="Wingdings" panose="05000000000000000000" pitchFamily="2" charset="2"/>
+              <a:buChar char="p"/>
+            </a:pPr>
+            <a:r>
+              <a:rPr lang="ja-JP" altLang="en-US" sz="1400" dirty="0" smtClean="0"/>
+              <a:t>赤外ヘリコプタの</a:t>
+            </a:r>
+            <a:r>
+              <a:rPr lang="ja-JP" altLang="en-US" sz="1400" smtClean="0"/>
+              <a:t>動作チェック＆充電</a:t>
+            </a:r>
+            <a:endParaRPr lang="en-US" altLang="ja-JP" sz="1400" dirty="0" smtClean="0"/>
           </a:p>
         </p:txBody>
       </p:sp>

--- a/IR_Controller/documents/学習コントローラToDoリスト.pptx
+++ b/IR_Controller/documents/学習コントローラToDoリスト.pptx
@@ -243,7 +243,7 @@
           <a:p>
             <a:fld id="{31C95625-3632-4203-9D8F-46AD01945C30}" type="datetimeFigureOut">
               <a:rPr kumimoji="1" lang="ja-JP" altLang="en-US" smtClean="0"/>
-              <a:t>2016/7/14</a:t>
+              <a:t>2016/6/9</a:t>
             </a:fld>
             <a:endParaRPr kumimoji="1" lang="ja-JP" altLang="en-US"/>
           </a:p>
@@ -445,7 +445,7 @@
           <a:p>
             <a:fld id="{31C95625-3632-4203-9D8F-46AD01945C30}" type="datetimeFigureOut">
               <a:rPr kumimoji="1" lang="ja-JP" altLang="en-US" smtClean="0"/>
-              <a:t>2016/7/14</a:t>
+              <a:t>2016/6/9</a:t>
             </a:fld>
             <a:endParaRPr kumimoji="1" lang="ja-JP" altLang="en-US"/>
           </a:p>
@@ -657,7 +657,7 @@
           <a:p>
             <a:fld id="{31C95625-3632-4203-9D8F-46AD01945C30}" type="datetimeFigureOut">
               <a:rPr kumimoji="1" lang="ja-JP" altLang="en-US" smtClean="0"/>
-              <a:t>2016/7/14</a:t>
+              <a:t>2016/6/9</a:t>
             </a:fld>
             <a:endParaRPr kumimoji="1" lang="ja-JP" altLang="en-US"/>
           </a:p>
@@ -859,7 +859,7 @@
           <a:p>
             <a:fld id="{31C95625-3632-4203-9D8F-46AD01945C30}" type="datetimeFigureOut">
               <a:rPr kumimoji="1" lang="ja-JP" altLang="en-US" smtClean="0"/>
-              <a:t>2016/7/14</a:t>
+              <a:t>2016/6/9</a:t>
             </a:fld>
             <a:endParaRPr kumimoji="1" lang="ja-JP" altLang="en-US"/>
           </a:p>
@@ -1103,7 +1103,7 @@
           <a:p>
             <a:fld id="{31C95625-3632-4203-9D8F-46AD01945C30}" type="datetimeFigureOut">
               <a:rPr kumimoji="1" lang="ja-JP" altLang="en-US" smtClean="0"/>
-              <a:t>2016/7/14</a:t>
+              <a:t>2016/6/9</a:t>
             </a:fld>
             <a:endParaRPr kumimoji="1" lang="ja-JP" altLang="en-US"/>
           </a:p>
@@ -1399,7 +1399,7 @@
           <a:p>
             <a:fld id="{31C95625-3632-4203-9D8F-46AD01945C30}" type="datetimeFigureOut">
               <a:rPr kumimoji="1" lang="ja-JP" altLang="en-US" smtClean="0"/>
-              <a:t>2016/7/14</a:t>
+              <a:t>2016/6/9</a:t>
             </a:fld>
             <a:endParaRPr kumimoji="1" lang="ja-JP" altLang="en-US"/>
           </a:p>
@@ -1830,7 +1830,7 @@
           <a:p>
             <a:fld id="{31C95625-3632-4203-9D8F-46AD01945C30}" type="datetimeFigureOut">
               <a:rPr kumimoji="1" lang="ja-JP" altLang="en-US" smtClean="0"/>
-              <a:t>2016/7/14</a:t>
+              <a:t>2016/6/9</a:t>
             </a:fld>
             <a:endParaRPr kumimoji="1" lang="ja-JP" altLang="en-US"/>
           </a:p>
@@ -1948,7 +1948,7 @@
           <a:p>
             <a:fld id="{31C95625-3632-4203-9D8F-46AD01945C30}" type="datetimeFigureOut">
               <a:rPr kumimoji="1" lang="ja-JP" altLang="en-US" smtClean="0"/>
-              <a:t>2016/7/14</a:t>
+              <a:t>2016/6/9</a:t>
             </a:fld>
             <a:endParaRPr kumimoji="1" lang="ja-JP" altLang="en-US"/>
           </a:p>
@@ -2043,7 +2043,7 @@
           <a:p>
             <a:fld id="{31C95625-3632-4203-9D8F-46AD01945C30}" type="datetimeFigureOut">
               <a:rPr kumimoji="1" lang="ja-JP" altLang="en-US" smtClean="0"/>
-              <a:t>2016/7/14</a:t>
+              <a:t>2016/6/9</a:t>
             </a:fld>
             <a:endParaRPr kumimoji="1" lang="ja-JP" altLang="en-US"/>
           </a:p>
@@ -2352,7 +2352,7 @@
           <a:p>
             <a:fld id="{31C95625-3632-4203-9D8F-46AD01945C30}" type="datetimeFigureOut">
               <a:rPr kumimoji="1" lang="ja-JP" altLang="en-US" smtClean="0"/>
-              <a:t>2016/7/14</a:t>
+              <a:t>2016/6/9</a:t>
             </a:fld>
             <a:endParaRPr kumimoji="1" lang="ja-JP" altLang="en-US"/>
           </a:p>
@@ -2609,7 +2609,7 @@
           <a:p>
             <a:fld id="{31C95625-3632-4203-9D8F-46AD01945C30}" type="datetimeFigureOut">
               <a:rPr kumimoji="1" lang="ja-JP" altLang="en-US" smtClean="0"/>
-              <a:t>2016/7/14</a:t>
+              <a:t>2016/6/9</a:t>
             </a:fld>
             <a:endParaRPr kumimoji="1" lang="ja-JP" altLang="en-US"/>
           </a:p>
@@ -2854,7 +2854,7 @@
           <a:p>
             <a:fld id="{31C95625-3632-4203-9D8F-46AD01945C30}" type="datetimeFigureOut">
               <a:rPr kumimoji="1" lang="ja-JP" altLang="en-US" smtClean="0"/>
-              <a:t>2016/7/14</a:t>
+              <a:t>2016/6/9</a:t>
             </a:fld>
             <a:endParaRPr kumimoji="1" lang="ja-JP" altLang="en-US"/>
           </a:p>
@@ -3285,19 +3285,7 @@
             </a:r>
             <a:r>
               <a:rPr kumimoji="1" lang="en-US" altLang="ja-JP" dirty="0" smtClean="0"/>
-              <a:t> </a:t>
-            </a:r>
-            <a:r>
-              <a:rPr kumimoji="1" lang="en-US" altLang="ja-JP" dirty="0" smtClean="0"/>
-              <a:t>List</a:t>
-            </a:r>
-            <a:r>
-              <a:rPr kumimoji="1" lang="ja-JP" altLang="en-US" dirty="0" smtClean="0"/>
-              <a:t>　</a:t>
-            </a:r>
-            <a:r>
-              <a:rPr kumimoji="1" lang="en-US" altLang="ja-JP" dirty="0" smtClean="0"/>
-              <a:t>1</a:t>
+              <a:t> List</a:t>
             </a:r>
             <a:endParaRPr kumimoji="1" lang="ja-JP" altLang="en-US" dirty="0"/>
           </a:p>
@@ -3311,8 +3299,8 @@
         </p:nvSpPr>
         <p:spPr>
           <a:xfrm>
-            <a:off x="471487" y="939452"/>
-            <a:ext cx="5915025" cy="7848302"/>
+            <a:off x="471487" y="1052185"/>
+            <a:ext cx="5915025" cy="8402300"/>
           </a:xfrm>
           <a:prstGeom prst="rect">
             <a:avLst/>
@@ -3330,14 +3318,14 @@
               <a:buChar char="p"/>
             </a:pPr>
             <a:r>
-              <a:rPr kumimoji="1" lang="en-US" altLang="ja-JP" sz="1400" dirty="0" smtClean="0"/>
+              <a:rPr kumimoji="1" lang="en-US" altLang="ja-JP" dirty="0" smtClean="0"/>
               <a:t> </a:t>
             </a:r>
             <a:r>
-              <a:rPr lang="ja-JP" altLang="en-US" sz="1400" dirty="0" smtClean="0"/>
+              <a:rPr lang="ja-JP" altLang="en-US" dirty="0" smtClean="0"/>
               <a:t>プロトタイプの製作</a:t>
             </a:r>
-            <a:endParaRPr lang="en-US" altLang="ja-JP" sz="1400" dirty="0" smtClean="0"/>
+            <a:endParaRPr lang="en-US" altLang="ja-JP" dirty="0" smtClean="0"/>
           </a:p>
           <a:p>
             <a:pPr marL="742950" lvl="1" indent="-285750">
@@ -3345,31 +3333,31 @@
               <a:buChar char="p"/>
             </a:pPr>
             <a:r>
-              <a:rPr lang="en-US" altLang="ja-JP" sz="1400" dirty="0" smtClean="0"/>
+              <a:rPr lang="en-US" altLang="ja-JP" dirty="0" smtClean="0"/>
               <a:t> </a:t>
             </a:r>
             <a:r>
-              <a:rPr lang="ja-JP" altLang="en-US" sz="1400" dirty="0" smtClean="0"/>
+              <a:rPr lang="ja-JP" altLang="en-US" dirty="0" smtClean="0"/>
               <a:t>プロトタイプ</a:t>
             </a:r>
             <a:r>
-              <a:rPr lang="en-US" altLang="ja-JP" sz="1400" dirty="0" smtClean="0"/>
+              <a:rPr lang="en-US" altLang="ja-JP" dirty="0" smtClean="0"/>
               <a:t>1</a:t>
             </a:r>
             <a:r>
-              <a:rPr lang="ja-JP" altLang="en-US" sz="1400" dirty="0" smtClean="0"/>
+              <a:rPr lang="ja-JP" altLang="en-US" dirty="0" smtClean="0"/>
               <a:t>の作成</a:t>
             </a:r>
             <a:r>
-              <a:rPr lang="en-US" altLang="ja-JP" sz="1400" dirty="0" smtClean="0"/>
+              <a:rPr lang="en-US" altLang="ja-JP" dirty="0" smtClean="0"/>
               <a:t>(</a:t>
             </a:r>
             <a:r>
-              <a:rPr lang="ja-JP" altLang="en-US" sz="1400" dirty="0" smtClean="0"/>
+              <a:rPr lang="ja-JP" altLang="en-US" dirty="0" smtClean="0"/>
               <a:t>プログラムの動作確認用</a:t>
             </a:r>
             <a:r>
-              <a:rPr lang="en-US" altLang="ja-JP" sz="1400" dirty="0" smtClean="0"/>
+              <a:rPr lang="en-US" altLang="ja-JP" dirty="0" smtClean="0"/>
               <a:t>)</a:t>
             </a:r>
           </a:p>
@@ -3379,31 +3367,31 @@
               <a:buChar char="p"/>
             </a:pPr>
             <a:r>
-              <a:rPr lang="en-US" altLang="ja-JP" sz="1400" dirty="0" smtClean="0"/>
+              <a:rPr lang="en-US" altLang="ja-JP" dirty="0" smtClean="0"/>
               <a:t> </a:t>
             </a:r>
             <a:r>
-              <a:rPr lang="ja-JP" altLang="en-US" sz="1400" dirty="0" smtClean="0"/>
+              <a:rPr lang="ja-JP" altLang="en-US" dirty="0" smtClean="0"/>
               <a:t>プロトタイプ</a:t>
             </a:r>
             <a:r>
-              <a:rPr lang="en-US" altLang="ja-JP" sz="1400" dirty="0" smtClean="0"/>
+              <a:rPr lang="en-US" altLang="ja-JP" dirty="0" smtClean="0"/>
               <a:t>2</a:t>
             </a:r>
             <a:r>
-              <a:rPr lang="ja-JP" altLang="en-US" sz="1400" dirty="0" smtClean="0"/>
+              <a:rPr lang="ja-JP" altLang="en-US" dirty="0" smtClean="0"/>
               <a:t>の作成</a:t>
             </a:r>
             <a:r>
-              <a:rPr lang="en-US" altLang="ja-JP" sz="1400" dirty="0" smtClean="0"/>
+              <a:rPr lang="en-US" altLang="ja-JP" dirty="0" smtClean="0"/>
               <a:t>(</a:t>
             </a:r>
             <a:r>
-              <a:rPr lang="ja-JP" altLang="en-US" sz="1400" dirty="0" smtClean="0"/>
+              <a:rPr lang="ja-JP" altLang="en-US" dirty="0" smtClean="0"/>
               <a:t>本番と同じ構成</a:t>
             </a:r>
             <a:r>
-              <a:rPr lang="en-US" altLang="ja-JP" sz="1400" dirty="0" smtClean="0"/>
+              <a:rPr lang="en-US" altLang="ja-JP" dirty="0" smtClean="0"/>
               <a:t>)</a:t>
             </a:r>
           </a:p>
@@ -3413,10 +3401,10 @@
               <a:buChar char="p"/>
             </a:pPr>
             <a:r>
-              <a:rPr lang="ja-JP" altLang="en-US" sz="1400" dirty="0" smtClean="0"/>
+              <a:rPr lang="ja-JP" altLang="en-US" dirty="0" smtClean="0"/>
               <a:t>半田付けの時間と難易度を確認</a:t>
             </a:r>
-            <a:endParaRPr lang="en-US" altLang="ja-JP" sz="1400" dirty="0" smtClean="0"/>
+            <a:endParaRPr lang="en-US" altLang="ja-JP" dirty="0" smtClean="0"/>
           </a:p>
           <a:p>
             <a:pPr marL="1200150" lvl="2" indent="-285750">
@@ -3424,14 +3412,14 @@
               <a:buChar char="p"/>
             </a:pPr>
             <a:r>
-              <a:rPr lang="ja-JP" altLang="en-US" sz="1400" dirty="0" smtClean="0"/>
+              <a:rPr lang="ja-JP" altLang="en-US" dirty="0" smtClean="0"/>
               <a:t>デバックがやり易いかを確認</a:t>
             </a:r>
-            <a:endParaRPr lang="en-US" altLang="ja-JP" sz="1400" dirty="0" smtClean="0"/>
+            <a:endParaRPr lang="en-US" altLang="ja-JP" dirty="0" smtClean="0"/>
           </a:p>
           <a:p>
             <a:pPr lvl="2"/>
-            <a:endParaRPr lang="en-US" altLang="ja-JP" sz="1400" dirty="0" smtClean="0"/>
+            <a:endParaRPr lang="en-US" altLang="ja-JP" dirty="0" smtClean="0"/>
           </a:p>
           <a:p>
             <a:pPr marL="285750" indent="-285750">
@@ -3439,14 +3427,14 @@
               <a:buChar char="p"/>
             </a:pPr>
             <a:r>
-              <a:rPr lang="en-US" altLang="ja-JP" sz="1400" dirty="0" smtClean="0"/>
+              <a:rPr lang="en-US" altLang="ja-JP" dirty="0" smtClean="0"/>
               <a:t> </a:t>
             </a:r>
             <a:r>
-              <a:rPr lang="ja-JP" altLang="en-US" sz="1400" dirty="0" smtClean="0"/>
+              <a:rPr lang="ja-JP" altLang="en-US" dirty="0" smtClean="0"/>
               <a:t>発注リストの作成</a:t>
             </a:r>
-            <a:endParaRPr lang="en-US" altLang="ja-JP" sz="1400" dirty="0" smtClean="0"/>
+            <a:endParaRPr lang="en-US" altLang="ja-JP" dirty="0" smtClean="0"/>
           </a:p>
           <a:p>
             <a:pPr marL="742950" lvl="1" indent="-285750">
@@ -3454,10 +3442,10 @@
               <a:buChar char="p"/>
             </a:pPr>
             <a:r>
-              <a:rPr lang="ja-JP" altLang="en-US" sz="1400" dirty="0" smtClean="0"/>
+              <a:rPr lang="ja-JP" altLang="en-US" dirty="0" smtClean="0"/>
               <a:t>必要物品の書き出し</a:t>
             </a:r>
-            <a:endParaRPr lang="en-US" altLang="ja-JP" sz="1400" dirty="0" smtClean="0"/>
+            <a:endParaRPr lang="en-US" altLang="ja-JP" dirty="0" smtClean="0"/>
           </a:p>
           <a:p>
             <a:pPr marL="742950" lvl="1" indent="-285750">
@@ -3465,14 +3453,10 @@
               <a:buChar char="p"/>
             </a:pPr>
             <a:r>
-              <a:rPr lang="ja-JP" altLang="en-US" sz="1400" dirty="0" smtClean="0"/>
-              <a:t>部品の発注</a:t>
-            </a:r>
-            <a:r>
-              <a:rPr lang="ja-JP" altLang="en-US" sz="1400" dirty="0" smtClean="0"/>
-              <a:t>を依頼</a:t>
-            </a:r>
-            <a:endParaRPr lang="en-US" altLang="ja-JP" sz="1400" dirty="0" smtClean="0"/>
+              <a:rPr lang="ja-JP" altLang="en-US" dirty="0" smtClean="0"/>
+              <a:t>石倉先生に発注を依頼</a:t>
+            </a:r>
+            <a:endParaRPr lang="en-US" altLang="ja-JP" dirty="0" smtClean="0"/>
           </a:p>
           <a:p>
             <a:pPr marL="742950" lvl="1" indent="-285750">
@@ -3480,10 +3464,10 @@
               <a:buChar char="p"/>
             </a:pPr>
             <a:r>
-              <a:rPr lang="ja-JP" altLang="en-US" sz="1400" dirty="0" smtClean="0"/>
+              <a:rPr lang="ja-JP" altLang="en-US" dirty="0" smtClean="0"/>
               <a:t>発注リストと見積書に間違いがないか確認</a:t>
             </a:r>
-            <a:endParaRPr lang="en-US" altLang="ja-JP" sz="1400" dirty="0" smtClean="0"/>
+            <a:endParaRPr lang="en-US" altLang="ja-JP" dirty="0" smtClean="0"/>
           </a:p>
           <a:p>
             <a:pPr marL="742950" lvl="1" indent="-285750">
@@ -3491,14 +3475,14 @@
               <a:buChar char="p"/>
             </a:pPr>
             <a:r>
-              <a:rPr lang="ja-JP" altLang="en-US" sz="1400" dirty="0" smtClean="0"/>
+              <a:rPr lang="ja-JP" altLang="en-US" dirty="0" smtClean="0"/>
               <a:t>見積書から予算を修正</a:t>
             </a:r>
-            <a:endParaRPr lang="en-US" altLang="ja-JP" sz="1400" dirty="0" smtClean="0"/>
+            <a:endParaRPr lang="en-US" altLang="ja-JP" dirty="0" smtClean="0"/>
           </a:p>
           <a:p>
             <a:pPr lvl="1"/>
-            <a:endParaRPr lang="en-US" altLang="ja-JP" sz="1400" dirty="0"/>
+            <a:endParaRPr lang="en-US" altLang="ja-JP" dirty="0"/>
           </a:p>
           <a:p>
             <a:pPr marL="285750" indent="-285750">
@@ -3506,14 +3490,14 @@
               <a:buChar char="p"/>
             </a:pPr>
             <a:r>
-              <a:rPr lang="en-US" altLang="ja-JP" sz="1400" dirty="0"/>
+              <a:rPr lang="en-US" altLang="ja-JP" dirty="0"/>
               <a:t> </a:t>
             </a:r>
             <a:r>
-              <a:rPr lang="ja-JP" altLang="en-US" sz="1400" dirty="0" smtClean="0"/>
+              <a:rPr lang="ja-JP" altLang="en-US" dirty="0" smtClean="0"/>
               <a:t>パーツの検品と小分け</a:t>
             </a:r>
-            <a:endParaRPr lang="en-US" altLang="ja-JP" sz="1400" dirty="0" smtClean="0"/>
+            <a:endParaRPr lang="en-US" altLang="ja-JP" dirty="0" smtClean="0"/>
           </a:p>
           <a:p>
             <a:pPr marL="742950" lvl="1" indent="-285750">
@@ -3521,10 +3505,10 @@
               <a:buChar char="p"/>
             </a:pPr>
             <a:r>
-              <a:rPr lang="ja-JP" altLang="en-US" sz="1400" dirty="0" smtClean="0"/>
+              <a:rPr lang="ja-JP" altLang="en-US" dirty="0" smtClean="0"/>
               <a:t>納品書通りに部品が到着しているか確認</a:t>
             </a:r>
-            <a:endParaRPr lang="en-US" altLang="ja-JP" sz="1400" dirty="0" smtClean="0"/>
+            <a:endParaRPr lang="en-US" altLang="ja-JP" dirty="0" smtClean="0"/>
           </a:p>
           <a:p>
             <a:pPr marL="742950" lvl="1" indent="-285750">
@@ -3532,10 +3516,10 @@
               <a:buChar char="p"/>
             </a:pPr>
             <a:r>
-              <a:rPr lang="ja-JP" altLang="en-US" sz="1400" dirty="0" smtClean="0"/>
+              <a:rPr lang="ja-JP" altLang="en-US" dirty="0" smtClean="0"/>
               <a:t>部品が必要数あるか確認</a:t>
             </a:r>
-            <a:endParaRPr lang="en-US" altLang="ja-JP" sz="1400" dirty="0"/>
+            <a:endParaRPr lang="en-US" altLang="ja-JP" dirty="0"/>
           </a:p>
           <a:p>
             <a:pPr marL="742950" lvl="1" indent="-285750">
@@ -3543,28 +3527,33 @@
               <a:buChar char="p"/>
             </a:pPr>
             <a:r>
-              <a:rPr lang="ja-JP" altLang="en-US" sz="1400" dirty="0" smtClean="0"/>
-              <a:t>小分け袋を使って、一セットずつ小分けにする</a:t>
-            </a:r>
-            <a:r>
-              <a:rPr lang="en-US" altLang="ja-JP" sz="1400" dirty="0" smtClean="0"/>
+              <a:rPr lang="ja-JP" altLang="en-US" dirty="0" smtClean="0"/>
+              <a:t>小分け袋を使って、一セットずつ小分けに</a:t>
+            </a:r>
+            <a:r>
+              <a:rPr lang="ja-JP" altLang="en-US" dirty="0" smtClean="0"/>
+              <a:t>する</a:t>
+            </a:r>
+            <a:r>
+              <a:rPr lang="en-US" altLang="ja-JP" dirty="0" smtClean="0"/>
               <a:t>(20</a:t>
             </a:r>
             <a:r>
-              <a:rPr lang="ja-JP" altLang="en-US" sz="1400" dirty="0" smtClean="0"/>
+              <a:rPr lang="ja-JP" altLang="en-US" dirty="0" smtClean="0"/>
               <a:t>個分</a:t>
             </a:r>
             <a:r>
-              <a:rPr lang="en-US" altLang="ja-JP" sz="1400" dirty="0" smtClean="0"/>
+              <a:rPr lang="en-US" altLang="ja-JP" dirty="0" smtClean="0"/>
               <a:t>)</a:t>
             </a:r>
+            <a:endParaRPr lang="en-US" altLang="ja-JP" dirty="0" smtClean="0"/>
           </a:p>
           <a:p>
             <a:pPr marL="742950" lvl="1" indent="-285750">
               <a:buFont typeface="Wingdings" panose="05000000000000000000" pitchFamily="2" charset="2"/>
               <a:buChar char="p"/>
             </a:pPr>
-            <a:endParaRPr lang="en-US" altLang="ja-JP" sz="1400" dirty="0" smtClean="0"/>
+            <a:endParaRPr lang="en-US" altLang="ja-JP" dirty="0" smtClean="0"/>
           </a:p>
           <a:p>
             <a:pPr marL="285750" indent="-285750">
@@ -3572,14 +3561,14 @@
               <a:buChar char="p"/>
             </a:pPr>
             <a:r>
-              <a:rPr lang="en-US" altLang="ja-JP" sz="1400" dirty="0"/>
+              <a:rPr lang="en-US" altLang="ja-JP" dirty="0"/>
               <a:t> </a:t>
             </a:r>
             <a:r>
-              <a:rPr lang="ja-JP" altLang="en-US" sz="1400" dirty="0" smtClean="0"/>
+              <a:rPr lang="ja-JP" altLang="en-US" dirty="0" smtClean="0"/>
               <a:t>配布用資料の作成</a:t>
             </a:r>
-            <a:endParaRPr lang="en-US" altLang="ja-JP" sz="1400" dirty="0" smtClean="0"/>
+            <a:endParaRPr lang="en-US" altLang="ja-JP" dirty="0" smtClean="0"/>
           </a:p>
           <a:p>
             <a:pPr marL="742950" lvl="1" indent="-285750">
@@ -3587,10 +3576,10 @@
               <a:buChar char="p"/>
             </a:pPr>
             <a:r>
-              <a:rPr lang="ja-JP" altLang="en-US" sz="1400" dirty="0" smtClean="0"/>
+              <a:rPr lang="ja-JP" altLang="en-US" dirty="0" smtClean="0"/>
               <a:t>表紙</a:t>
             </a:r>
-            <a:endParaRPr lang="en-US" altLang="ja-JP" sz="1400" dirty="0" smtClean="0"/>
+            <a:endParaRPr lang="en-US" altLang="ja-JP" dirty="0" smtClean="0"/>
           </a:p>
           <a:p>
             <a:pPr marL="742950" lvl="1" indent="-285750">
@@ -3598,10 +3587,10 @@
               <a:buChar char="p"/>
             </a:pPr>
             <a:r>
-              <a:rPr lang="ja-JP" altLang="en-US" sz="1400" dirty="0" smtClean="0"/>
+              <a:rPr lang="ja-JP" altLang="en-US" dirty="0" smtClean="0"/>
               <a:t>パーツリスト</a:t>
             </a:r>
-            <a:endParaRPr lang="en-US" altLang="ja-JP" sz="1400" dirty="0" smtClean="0"/>
+            <a:endParaRPr lang="en-US" altLang="ja-JP" dirty="0" smtClean="0"/>
           </a:p>
           <a:p>
             <a:pPr marL="742950" lvl="1" indent="-285750">
@@ -3609,10 +3598,10 @@
               <a:buChar char="p"/>
             </a:pPr>
             <a:r>
-              <a:rPr lang="ja-JP" altLang="en-US" sz="1400" dirty="0" smtClean="0"/>
+              <a:rPr lang="ja-JP" altLang="en-US" dirty="0" smtClean="0"/>
               <a:t>作成手順</a:t>
             </a:r>
-            <a:endParaRPr lang="en-US" altLang="ja-JP" sz="1400" dirty="0" smtClean="0"/>
+            <a:endParaRPr lang="en-US" altLang="ja-JP" dirty="0" smtClean="0"/>
           </a:p>
           <a:p>
             <a:pPr marL="742950" lvl="1" indent="-285750">
@@ -3620,14 +3609,14 @@
               <a:buChar char="p"/>
             </a:pPr>
             <a:r>
-              <a:rPr lang="ja-JP" altLang="en-US" sz="1400" dirty="0" smtClean="0"/>
+              <a:rPr lang="ja-JP" altLang="en-US" dirty="0" smtClean="0"/>
               <a:t>学習コントローラの使い方</a:t>
             </a:r>
-            <a:endParaRPr lang="en-US" altLang="ja-JP" sz="1400" dirty="0" smtClean="0"/>
+            <a:endParaRPr lang="en-US" altLang="ja-JP" dirty="0" smtClean="0"/>
           </a:p>
           <a:p>
             <a:pPr lvl="1"/>
-            <a:endParaRPr lang="en-US" altLang="ja-JP" sz="1400" dirty="0" smtClean="0"/>
+            <a:endParaRPr lang="en-US" altLang="ja-JP" dirty="0" smtClean="0"/>
           </a:p>
           <a:p>
             <a:pPr marL="285750" indent="-285750">
@@ -3635,14 +3624,14 @@
               <a:buChar char="p"/>
             </a:pPr>
             <a:r>
-              <a:rPr lang="en-US" altLang="ja-JP" sz="1400" dirty="0" smtClean="0"/>
+              <a:rPr lang="en-US" altLang="ja-JP" dirty="0" smtClean="0"/>
               <a:t> </a:t>
             </a:r>
             <a:r>
-              <a:rPr lang="ja-JP" altLang="en-US" sz="1400" dirty="0" smtClean="0"/>
+              <a:rPr lang="ja-JP" altLang="en-US" dirty="0" smtClean="0"/>
               <a:t>事前準備</a:t>
             </a:r>
-            <a:endParaRPr lang="en-US" altLang="ja-JP" sz="1400" dirty="0" smtClean="0"/>
+            <a:endParaRPr lang="en-US" altLang="ja-JP" dirty="0" smtClean="0"/>
           </a:p>
           <a:p>
             <a:pPr marL="742950" lvl="1" indent="-285750">
@@ -3650,34 +3639,34 @@
               <a:buChar char="p"/>
             </a:pPr>
             <a:r>
-              <a:rPr lang="ja-JP" altLang="en-US" sz="1400" dirty="0" smtClean="0"/>
+              <a:rPr lang="ja-JP" altLang="en-US" dirty="0" smtClean="0"/>
               <a:t>ケースの作成</a:t>
             </a:r>
             <a:r>
-              <a:rPr lang="en-US" altLang="ja-JP" sz="1400" dirty="0" smtClean="0"/>
+              <a:rPr lang="en-US" altLang="ja-JP" dirty="0" smtClean="0"/>
               <a:t>(3D</a:t>
             </a:r>
             <a:r>
-              <a:rPr lang="ja-JP" altLang="en-US" sz="1400" dirty="0" smtClean="0"/>
+              <a:rPr lang="ja-JP" altLang="en-US" dirty="0" smtClean="0"/>
               <a:t>プリンタ</a:t>
             </a:r>
             <a:r>
-              <a:rPr lang="en-US" altLang="ja-JP" sz="1400" dirty="0" smtClean="0"/>
+              <a:rPr lang="en-US" altLang="ja-JP" dirty="0" smtClean="0"/>
               <a:t>)</a:t>
             </a:r>
             <a:r>
-              <a:rPr lang="ja-JP" altLang="en-US" sz="1400" dirty="0" smtClean="0"/>
+              <a:rPr lang="ja-JP" altLang="en-US" dirty="0" smtClean="0"/>
               <a:t>　</a:t>
             </a:r>
             <a:r>
-              <a:rPr lang="en-US" altLang="ja-JP" sz="1400" dirty="0" smtClean="0"/>
+              <a:rPr lang="en-US" altLang="ja-JP" dirty="0" smtClean="0"/>
               <a:t>	20</a:t>
             </a:r>
             <a:r>
-              <a:rPr lang="ja-JP" altLang="en-US" sz="1400" dirty="0" smtClean="0"/>
+              <a:rPr lang="ja-JP" altLang="en-US" dirty="0" smtClean="0"/>
               <a:t>個分</a:t>
             </a:r>
-            <a:endParaRPr lang="en-US" altLang="ja-JP" sz="1400" dirty="0" smtClean="0"/>
+            <a:endParaRPr lang="en-US" altLang="ja-JP" dirty="0" smtClean="0"/>
           </a:p>
           <a:p>
             <a:pPr marL="742950" lvl="1" indent="-285750">
@@ -3685,10 +3674,10 @@
               <a:buChar char="p"/>
             </a:pPr>
             <a:r>
-              <a:rPr lang="ja-JP" altLang="en-US" sz="1400" dirty="0" smtClean="0"/>
+              <a:rPr lang="ja-JP" altLang="en-US" dirty="0" smtClean="0"/>
               <a:t>ケースの穴あけ加工</a:t>
             </a:r>
-            <a:endParaRPr lang="en-US" altLang="ja-JP" sz="1400" dirty="0" smtClean="0"/>
+            <a:endParaRPr lang="en-US" altLang="ja-JP" dirty="0" smtClean="0"/>
           </a:p>
           <a:p>
             <a:pPr marL="742950" lvl="1" indent="-285750">
@@ -3696,19 +3685,19 @@
               <a:buChar char="p"/>
             </a:pPr>
             <a:r>
-              <a:rPr lang="ja-JP" altLang="en-US" sz="1400" dirty="0" smtClean="0"/>
+              <a:rPr lang="ja-JP" altLang="en-US" dirty="0" smtClean="0"/>
               <a:t>ケースの仕上げ加工</a:t>
             </a:r>
             <a:r>
-              <a:rPr lang="en-US" altLang="ja-JP" sz="1400" dirty="0" smtClean="0"/>
+              <a:rPr lang="en-US" altLang="ja-JP" dirty="0" smtClean="0"/>
               <a:t>(</a:t>
             </a:r>
             <a:r>
-              <a:rPr lang="ja-JP" altLang="en-US" sz="1400" dirty="0" smtClean="0"/>
+              <a:rPr lang="ja-JP" altLang="en-US" dirty="0" smtClean="0"/>
               <a:t>ヤスリ</a:t>
             </a:r>
             <a:r>
-              <a:rPr lang="en-US" altLang="ja-JP" sz="1400" dirty="0" smtClean="0"/>
+              <a:rPr lang="en-US" altLang="ja-JP" dirty="0" smtClean="0"/>
               <a:t>)</a:t>
             </a:r>
           </a:p>
@@ -3718,10 +3707,10 @@
               <a:buChar char="p"/>
             </a:pPr>
             <a:r>
-              <a:rPr lang="ja-JP" altLang="en-US" sz="1400" dirty="0" smtClean="0"/>
+              <a:rPr lang="ja-JP" altLang="en-US" dirty="0" smtClean="0"/>
               <a:t>電池ボックスをケースに取り付け</a:t>
             </a:r>
-            <a:endParaRPr lang="en-US" altLang="ja-JP" sz="1400" dirty="0" smtClean="0"/>
+            <a:endParaRPr lang="en-US" altLang="ja-JP" dirty="0" smtClean="0"/>
           </a:p>
           <a:p>
             <a:pPr marL="742950" lvl="1" indent="-285750">
@@ -3729,122 +3718,22 @@
               <a:buChar char="p"/>
             </a:pPr>
             <a:r>
-              <a:rPr lang="ja-JP" altLang="en-US" sz="1400" dirty="0" smtClean="0"/>
+              <a:rPr lang="ja-JP" altLang="en-US" dirty="0" smtClean="0"/>
               <a:t>基板へパーツの</a:t>
             </a:r>
             <a:r>
-              <a:rPr lang="ja-JP" altLang="en-US" sz="1400" dirty="0" smtClean="0"/>
+              <a:rPr lang="ja-JP" altLang="en-US" dirty="0" smtClean="0"/>
               <a:t>取り付け</a:t>
             </a:r>
             <a:r>
-              <a:rPr lang="en-US" altLang="ja-JP" sz="1400" dirty="0"/>
-              <a:t>	</a:t>
-            </a:r>
-            <a:r>
-              <a:rPr lang="en-US" altLang="ja-JP" sz="1400" dirty="0" smtClean="0"/>
-              <a:t>	</a:t>
-            </a:r>
-            <a:r>
-              <a:rPr lang="en-US" altLang="ja-JP" sz="1400" dirty="0" smtClean="0"/>
-              <a:t>20</a:t>
-            </a:r>
-            <a:r>
-              <a:rPr lang="ja-JP" altLang="en-US" sz="1400" dirty="0" smtClean="0"/>
+              <a:rPr lang="en-US" altLang="ja-JP" dirty="0" smtClean="0"/>
+              <a:t>	20</a:t>
+            </a:r>
+            <a:r>
+              <a:rPr lang="ja-JP" altLang="en-US" dirty="0" smtClean="0"/>
               <a:t>個分</a:t>
             </a:r>
-            <a:endParaRPr lang="en-US" altLang="ja-JP" sz="1400" dirty="0" smtClean="0"/>
-          </a:p>
-          <a:p>
-            <a:pPr marL="742950" lvl="1" indent="-285750">
-              <a:buFont typeface="Wingdings" panose="05000000000000000000" pitchFamily="2" charset="2"/>
-              <a:buChar char="p"/>
-            </a:pPr>
-            <a:r>
-              <a:rPr lang="ja-JP" altLang="en-US" sz="1400" dirty="0"/>
-              <a:t>マイコン</a:t>
-            </a:r>
-            <a:r>
-              <a:rPr lang="ja-JP" altLang="en-US" sz="1400" dirty="0" smtClean="0"/>
-              <a:t>にプログラムの書き込み</a:t>
-            </a:r>
-            <a:endParaRPr lang="en-US" altLang="ja-JP" sz="1400" dirty="0" smtClean="0"/>
-          </a:p>
-          <a:p>
-            <a:pPr marL="742950" lvl="1" indent="-285750">
-              <a:buFont typeface="Wingdings" panose="05000000000000000000" pitchFamily="2" charset="2"/>
-              <a:buChar char="p"/>
-            </a:pPr>
-            <a:r>
-              <a:rPr lang="ja-JP" altLang="en-US" sz="1400" dirty="0" smtClean="0"/>
-              <a:t>メイン基盤の短絡チェック</a:t>
-            </a:r>
-            <a:endParaRPr lang="en-US" altLang="ja-JP" sz="1400" dirty="0" smtClean="0"/>
-          </a:p>
-          <a:p>
-            <a:pPr marL="742950" lvl="1" indent="-285750">
-              <a:buFont typeface="Wingdings" panose="05000000000000000000" pitchFamily="2" charset="2"/>
-              <a:buChar char="p"/>
-            </a:pPr>
-            <a:r>
-              <a:rPr lang="ja-JP" altLang="en-US" sz="1400" dirty="0" smtClean="0"/>
-              <a:t>メイン基盤の動作確認</a:t>
-            </a:r>
-            <a:r>
-              <a:rPr lang="en-US" altLang="ja-JP" sz="1400" dirty="0" smtClean="0"/>
-              <a:t>(</a:t>
-            </a:r>
-            <a:r>
-              <a:rPr lang="ja-JP" altLang="en-US" sz="1400" dirty="0" smtClean="0"/>
-              <a:t>配布用資料のデバックの項を参照</a:t>
-            </a:r>
-            <a:r>
-              <a:rPr lang="en-US" altLang="ja-JP" sz="1400" dirty="0" smtClean="0"/>
-              <a:t>)</a:t>
-            </a:r>
-          </a:p>
-          <a:p>
-            <a:pPr marL="742950" lvl="1" indent="-285750">
-              <a:buFont typeface="Wingdings" panose="05000000000000000000" pitchFamily="2" charset="2"/>
-              <a:buChar char="p"/>
-            </a:pPr>
-            <a:endParaRPr lang="en-US" altLang="ja-JP" sz="1400" dirty="0"/>
-          </a:p>
-          <a:p>
-            <a:pPr marL="285750" indent="-285750">
-              <a:buFont typeface="Wingdings" panose="05000000000000000000" pitchFamily="2" charset="2"/>
-              <a:buChar char="p"/>
-            </a:pPr>
-            <a:r>
-              <a:rPr lang="ja-JP" altLang="en-US" sz="1400" dirty="0" smtClean="0"/>
-              <a:t>当日必要物品の確認と準備</a:t>
-            </a:r>
-            <a:endParaRPr lang="en-US" altLang="ja-JP" sz="1400" dirty="0" smtClean="0"/>
-          </a:p>
-          <a:p>
-            <a:pPr marL="742950" lvl="1" indent="-285750">
-              <a:buFont typeface="Wingdings" panose="05000000000000000000" pitchFamily="2" charset="2"/>
-              <a:buChar char="p"/>
-            </a:pPr>
-            <a:r>
-              <a:rPr lang="ja-JP" altLang="en-US" sz="1400" dirty="0" smtClean="0"/>
-              <a:t>赤外線で動く家電を用意</a:t>
-            </a:r>
-            <a:endParaRPr lang="en-US" altLang="ja-JP" sz="1400" dirty="0" smtClean="0"/>
-          </a:p>
-          <a:p>
-            <a:pPr marL="742950" lvl="1" indent="-285750">
-              <a:buFont typeface="Wingdings" panose="05000000000000000000" pitchFamily="2" charset="2"/>
-              <a:buChar char="p"/>
-            </a:pPr>
-            <a:r>
-              <a:rPr lang="ja-JP" altLang="en-US" sz="1400" dirty="0" smtClean="0"/>
-              <a:t>赤外ヘリコプタの</a:t>
-            </a:r>
-            <a:r>
-              <a:rPr lang="ja-JP" altLang="en-US" sz="1400" smtClean="0"/>
-              <a:t>動作チェック＆充電</a:t>
-            </a:r>
-            <a:endParaRPr lang="en-US" altLang="ja-JP" sz="1400" dirty="0" smtClean="0"/>
+            <a:endParaRPr lang="en-US" altLang="ja-JP" dirty="0" smtClean="0"/>
           </a:p>
         </p:txBody>
       </p:sp>
